--- a/docs/diagrams/UiComponentClassDiagram.pptx
+++ b/docs/diagrams/UiComponentClassDiagram.pptx
@@ -208,7 +208,7 @@
           <a:p>
             <a:fld id="{F5CC4B3F-88C1-4FFA-B1B6-F41C21DC6924}" type="datetimeFigureOut">
               <a:rPr lang="en-US" smtClean="0"/>
-              <a:t>2/26/2019</a:t>
+              <a:t>4/15/19</a:t>
             </a:fld>
             <a:endParaRPr lang="en-US"/>
           </a:p>
@@ -654,7 +654,7 @@
           <a:p>
             <a:fld id="{78C97017-6FC3-485B-9764-EAC9E56C1D49}" type="datetimeFigureOut">
               <a:rPr lang="en-US" smtClean="0"/>
-              <a:t>2/26/2019</a:t>
+              <a:t>4/15/19</a:t>
             </a:fld>
             <a:endParaRPr lang="en-US"/>
           </a:p>
@@ -822,7 +822,7 @@
           <a:p>
             <a:fld id="{78C97017-6FC3-485B-9764-EAC9E56C1D49}" type="datetimeFigureOut">
               <a:rPr lang="en-US" smtClean="0"/>
-              <a:t>2/26/2019</a:t>
+              <a:t>4/15/19</a:t>
             </a:fld>
             <a:endParaRPr lang="en-US"/>
           </a:p>
@@ -1000,7 +1000,7 @@
           <a:p>
             <a:fld id="{78C97017-6FC3-485B-9764-EAC9E56C1D49}" type="datetimeFigureOut">
               <a:rPr lang="en-US" smtClean="0"/>
-              <a:t>2/26/2019</a:t>
+              <a:t>4/15/19</a:t>
             </a:fld>
             <a:endParaRPr lang="en-US"/>
           </a:p>
@@ -1168,7 +1168,7 @@
           <a:p>
             <a:fld id="{78C97017-6FC3-485B-9764-EAC9E56C1D49}" type="datetimeFigureOut">
               <a:rPr lang="en-US" smtClean="0"/>
-              <a:t>2/26/2019</a:t>
+              <a:t>4/15/19</a:t>
             </a:fld>
             <a:endParaRPr lang="en-US"/>
           </a:p>
@@ -1413,7 +1413,7 @@
           <a:p>
             <a:fld id="{78C97017-6FC3-485B-9764-EAC9E56C1D49}" type="datetimeFigureOut">
               <a:rPr lang="en-US" smtClean="0"/>
-              <a:t>2/26/2019</a:t>
+              <a:t>4/15/19</a:t>
             </a:fld>
             <a:endParaRPr lang="en-US"/>
           </a:p>
@@ -1698,7 +1698,7 @@
           <a:p>
             <a:fld id="{78C97017-6FC3-485B-9764-EAC9E56C1D49}" type="datetimeFigureOut">
               <a:rPr lang="en-US" smtClean="0"/>
-              <a:t>2/26/2019</a:t>
+              <a:t>4/15/19</a:t>
             </a:fld>
             <a:endParaRPr lang="en-US"/>
           </a:p>
@@ -2117,7 +2117,7 @@
           <a:p>
             <a:fld id="{78C97017-6FC3-485B-9764-EAC9E56C1D49}" type="datetimeFigureOut">
               <a:rPr lang="en-US" smtClean="0"/>
-              <a:t>2/26/2019</a:t>
+              <a:t>4/15/19</a:t>
             </a:fld>
             <a:endParaRPr lang="en-US"/>
           </a:p>
@@ -2234,7 +2234,7 @@
           <a:p>
             <a:fld id="{78C97017-6FC3-485B-9764-EAC9E56C1D49}" type="datetimeFigureOut">
               <a:rPr lang="en-US" smtClean="0"/>
-              <a:t>2/26/2019</a:t>
+              <a:t>4/15/19</a:t>
             </a:fld>
             <a:endParaRPr lang="en-US"/>
           </a:p>
@@ -2329,7 +2329,7 @@
           <a:p>
             <a:fld id="{78C97017-6FC3-485B-9764-EAC9E56C1D49}" type="datetimeFigureOut">
               <a:rPr lang="en-US" smtClean="0"/>
-              <a:t>2/26/2019</a:t>
+              <a:t>4/15/19</a:t>
             </a:fld>
             <a:endParaRPr lang="en-US"/>
           </a:p>
@@ -2604,7 +2604,7 @@
           <a:p>
             <a:fld id="{78C97017-6FC3-485B-9764-EAC9E56C1D49}" type="datetimeFigureOut">
               <a:rPr lang="en-US" smtClean="0"/>
-              <a:t>2/26/2019</a:t>
+              <a:t>4/15/19</a:t>
             </a:fld>
             <a:endParaRPr lang="en-US"/>
           </a:p>
@@ -2856,7 +2856,7 @@
           <a:p>
             <a:fld id="{78C97017-6FC3-485B-9764-EAC9E56C1D49}" type="datetimeFigureOut">
               <a:rPr lang="en-US" smtClean="0"/>
-              <a:t>2/26/2019</a:t>
+              <a:t>4/15/19</a:t>
             </a:fld>
             <a:endParaRPr lang="en-US"/>
           </a:p>
@@ -3067,7 +3067,7 @@
           <a:p>
             <a:fld id="{78C97017-6FC3-485B-9764-EAC9E56C1D49}" type="datetimeFigureOut">
               <a:rPr lang="en-US" smtClean="0"/>
-              <a:t>2/26/2019</a:t>
+              <a:t>4/15/19</a:t>
             </a:fld>
             <a:endParaRPr lang="en-US"/>
           </a:p>
@@ -3444,10 +3444,10 @@
       </p:grpSpPr>
       <p:grpSp>
         <p:nvGrpSpPr>
-          <p:cNvPr id="4" name="Group 3">
+          <p:cNvPr id="97" name="Group 96">
             <a:extLst>
               <a:ext uri="{FF2B5EF4-FFF2-40B4-BE49-F238E27FC236}">
-                <a16:creationId xmlns:a16="http://schemas.microsoft.com/office/drawing/2014/main" id="{A49A8123-C80E-4BAE-86D8-5F86015AE171}"/>
+                <a16:creationId xmlns:a16="http://schemas.microsoft.com/office/drawing/2014/main" id="{7F90BA72-7B6F-864D-8454-419C97405A2C}"/>
               </a:ext>
             </a:extLst>
           </p:cNvPr>
@@ -3457,9 +3457,9 @@
         <p:grpSpPr>
           <a:xfrm>
             <a:off x="2168735" y="1447800"/>
-            <a:ext cx="6418826" cy="3962401"/>
-            <a:chOff x="644735" y="1447799"/>
-            <a:chExt cx="6418826" cy="3962401"/>
+            <a:ext cx="6418826" cy="5257794"/>
+            <a:chOff x="2168735" y="1447800"/>
+            <a:chExt cx="6418826" cy="5257794"/>
           </a:xfrm>
         </p:grpSpPr>
         <p:sp>
@@ -3470,8 +3470,8 @@
           </p:nvSpPr>
           <p:spPr>
             <a:xfrm>
-              <a:off x="1217465" y="1447800"/>
-              <a:ext cx="4917083" cy="3962400"/>
+              <a:off x="2741465" y="1447800"/>
+              <a:ext cx="4917083" cy="5257794"/>
             </a:xfrm>
             <a:prstGeom prst="roundRect">
               <a:avLst>
@@ -3532,7 +3532,7 @@
           </p:nvSpPr>
           <p:spPr>
             <a:xfrm>
-              <a:off x="2095948" y="2341220"/>
+              <a:off x="3619948" y="2341221"/>
               <a:ext cx="1093635" cy="346760"/>
             </a:xfrm>
             <a:prstGeom prst="rect">
@@ -3592,7 +3592,7 @@
           </p:nvSpPr>
           <p:spPr>
             <a:xfrm>
-              <a:off x="2592528" y="2971800"/>
+              <a:off x="4116528" y="2971801"/>
               <a:ext cx="1192335" cy="236841"/>
             </a:xfrm>
             <a:prstGeom prst="rect">
@@ -3652,7 +3652,7 @@
           </p:nvSpPr>
           <p:spPr>
             <a:xfrm>
-              <a:off x="2092842" y="1770924"/>
+              <a:off x="3616842" y="1770925"/>
               <a:ext cx="1093635" cy="346760"/>
             </a:xfrm>
             <a:prstGeom prst="rect">
@@ -3714,7 +3714,7 @@
           </p:nvCxnSpPr>
           <p:spPr>
             <a:xfrm rot="16200000" flipH="1">
-              <a:off x="2529445" y="2227899"/>
+              <a:off x="4053445" y="2227900"/>
               <a:ext cx="223536" cy="3106"/>
             </a:xfrm>
             <a:prstGeom prst="bentConnector3">
@@ -3754,7 +3754,7 @@
           </p:nvSpPr>
           <p:spPr>
             <a:xfrm rot="10800000" flipV="1">
-              <a:off x="5394717" y="2110477"/>
+              <a:off x="6918717" y="2110478"/>
               <a:ext cx="270504" cy="175523"/>
             </a:xfrm>
             <a:prstGeom prst="triangle">
@@ -3802,7 +3802,7 @@
           </p:nvCxnSpPr>
           <p:spPr>
             <a:xfrm flipV="1">
-              <a:off x="644735" y="2991937"/>
+              <a:off x="2168735" y="2991938"/>
               <a:ext cx="684904" cy="1"/>
             </a:xfrm>
             <a:prstGeom prst="bentConnector3">
@@ -3845,7 +3845,7 @@
           </p:nvSpPr>
           <p:spPr>
             <a:xfrm rot="16200000">
-              <a:off x="5703829" y="2464877"/>
+              <a:off x="7227829" y="2464878"/>
               <a:ext cx="2362201" cy="328045"/>
             </a:xfrm>
             <a:prstGeom prst="roundRect">
@@ -3905,7 +3905,7 @@
           </p:nvSpPr>
           <p:spPr>
             <a:xfrm>
-              <a:off x="2592528" y="3649359"/>
+              <a:off x="4116528" y="3649360"/>
               <a:ext cx="1194064" cy="236841"/>
             </a:xfrm>
             <a:prstGeom prst="rect">
@@ -3965,7 +3965,7 @@
           </p:nvSpPr>
           <p:spPr>
             <a:xfrm>
-              <a:off x="2592527" y="4563759"/>
+              <a:off x="4116527" y="5893719"/>
               <a:ext cx="1192336" cy="236841"/>
             </a:xfrm>
             <a:prstGeom prst="rect">
@@ -4025,7 +4025,7 @@
           </p:nvSpPr>
           <p:spPr>
             <a:xfrm>
-              <a:off x="2592526" y="3991960"/>
+              <a:off x="4116526" y="3991961"/>
               <a:ext cx="1194067" cy="236841"/>
             </a:xfrm>
             <a:prstGeom prst="rect">
@@ -4085,7 +4085,7 @@
           </p:nvSpPr>
           <p:spPr>
             <a:xfrm>
-              <a:off x="3886199" y="4228801"/>
+              <a:off x="5410199" y="4228802"/>
               <a:ext cx="994029" cy="236841"/>
             </a:xfrm>
             <a:prstGeom prst="rect">
@@ -4145,7 +4145,7 @@
           </p:nvSpPr>
           <p:spPr>
             <a:xfrm>
-              <a:off x="2592528" y="4966000"/>
+              <a:off x="4134154" y="6320768"/>
               <a:ext cx="1192335" cy="236841"/>
             </a:xfrm>
             <a:prstGeom prst="rect">
@@ -4205,7 +4205,7 @@
           </p:nvSpPr>
           <p:spPr>
             <a:xfrm>
-              <a:off x="2324548" y="2706452"/>
+              <a:off x="3848548" y="2706453"/>
               <a:ext cx="183156" cy="161573"/>
             </a:xfrm>
             <a:prstGeom prst="flowChartDecision">
@@ -4257,7 +4257,7 @@
           </p:nvCxnSpPr>
           <p:spPr>
             <a:xfrm rot="16200000" flipH="1">
-              <a:off x="2393229" y="2890922"/>
+              <a:off x="3917229" y="2890923"/>
               <a:ext cx="222196" cy="176402"/>
             </a:xfrm>
             <a:prstGeom prst="bentConnector2">
@@ -4295,7 +4295,7 @@
           </p:nvSpPr>
           <p:spPr>
             <a:xfrm>
-              <a:off x="2590799" y="3304308"/>
+              <a:off x="4114799" y="3304309"/>
               <a:ext cx="1194064" cy="236841"/>
             </a:xfrm>
             <a:prstGeom prst="rect">
@@ -4359,7 +4359,7 @@
           </p:nvCxnSpPr>
           <p:spPr>
             <a:xfrm rot="16200000" flipH="1">
-              <a:off x="2054450" y="3229701"/>
+              <a:off x="3578450" y="3229702"/>
               <a:ext cx="899755" cy="176402"/>
             </a:xfrm>
             <a:prstGeom prst="bentConnector2">
@@ -4401,7 +4401,7 @@
           </p:nvCxnSpPr>
           <p:spPr>
             <a:xfrm rot="16200000" flipH="1">
-              <a:off x="1883148" y="3401003"/>
+              <a:off x="3407148" y="3401004"/>
               <a:ext cx="1242356" cy="176400"/>
             </a:xfrm>
             <a:prstGeom prst="bentConnector2">
@@ -4443,8 +4443,8 @@
           </p:nvCxnSpPr>
           <p:spPr>
             <a:xfrm rot="16200000" flipH="1">
-              <a:off x="1597249" y="3686901"/>
-              <a:ext cx="1814155" cy="176401"/>
+              <a:off x="2456269" y="4351882"/>
+              <a:ext cx="3144114" cy="176401"/>
             </a:xfrm>
             <a:prstGeom prst="bentConnector2">
               <a:avLst/>
@@ -4484,8 +4484,8 @@
           </p:nvCxnSpPr>
           <p:spPr>
             <a:xfrm rot="16200000" flipH="1">
-              <a:off x="1184119" y="3676012"/>
-              <a:ext cx="2396440" cy="420378"/>
+              <a:off x="2026726" y="4331761"/>
+              <a:ext cx="3732734" cy="482122"/>
             </a:xfrm>
             <a:prstGeom prst="bentConnector2">
               <a:avLst/>
@@ -4522,7 +4522,7 @@
           </p:nvSpPr>
           <p:spPr>
             <a:xfrm>
-              <a:off x="5143948" y="1770924"/>
+              <a:off x="6667948" y="1770925"/>
               <a:ext cx="772043" cy="346760"/>
             </a:xfrm>
             <a:prstGeom prst="rect">
@@ -4605,7 +4605,7 @@
           </p:nvCxnSpPr>
           <p:spPr>
             <a:xfrm flipV="1">
-              <a:off x="3784863" y="2286000"/>
+              <a:off x="5308863" y="2286001"/>
               <a:ext cx="1745106" cy="1136729"/>
             </a:xfrm>
             <a:prstGeom prst="bentConnector2">
@@ -4647,7 +4647,7 @@
           </p:nvCxnSpPr>
           <p:spPr>
             <a:xfrm rot="5400000">
-              <a:off x="4174488" y="2991741"/>
+              <a:off x="5698488" y="2991742"/>
               <a:ext cx="2061222" cy="649741"/>
             </a:xfrm>
             <a:prstGeom prst="bentConnector2">
@@ -4689,7 +4689,7 @@
           </p:nvCxnSpPr>
           <p:spPr>
             <a:xfrm rot="5400000">
-              <a:off x="3917391" y="2155202"/>
+              <a:off x="5441391" y="2155203"/>
               <a:ext cx="1481780" cy="1743377"/>
             </a:xfrm>
             <a:prstGeom prst="bentConnector2">
@@ -4730,7 +4730,7 @@
           </p:nvCxnSpPr>
           <p:spPr>
             <a:xfrm flipV="1">
-              <a:off x="3189583" y="2286000"/>
+              <a:off x="4713583" y="2286001"/>
               <a:ext cx="2340386" cy="228600"/>
             </a:xfrm>
             <a:prstGeom prst="bentConnector2">
@@ -4772,8 +4772,8 @@
           </p:nvCxnSpPr>
           <p:spPr>
             <a:xfrm rot="5400000">
-              <a:off x="3459326" y="2611537"/>
-              <a:ext cx="2396180" cy="1745106"/>
+              <a:off x="4318347" y="3276517"/>
+              <a:ext cx="3726139" cy="1745106"/>
             </a:xfrm>
             <a:prstGeom prst="bentConnector2">
               <a:avLst/>
@@ -4814,8 +4814,8 @@
           </p:nvCxnSpPr>
           <p:spPr>
             <a:xfrm rot="5400000">
-              <a:off x="3258206" y="2812657"/>
-              <a:ext cx="2798421" cy="1745106"/>
+              <a:off x="4113635" y="3498855"/>
+              <a:ext cx="4153188" cy="1727480"/>
             </a:xfrm>
             <a:prstGeom prst="bentConnector2">
               <a:avLst/>
@@ -4854,7 +4854,7 @@
           </p:nvCxnSpPr>
           <p:spPr>
             <a:xfrm rot="5400000" flipH="1" flipV="1">
-              <a:off x="4594921" y="-355061"/>
+              <a:off x="6118921" y="-355060"/>
               <a:ext cx="170724" cy="4081246"/>
             </a:xfrm>
             <a:prstGeom prst="bentConnector2">
@@ -4893,8 +4893,8 @@
           </p:nvSpPr>
           <p:spPr>
             <a:xfrm rot="16200000">
-              <a:off x="6213739" y="4560376"/>
-              <a:ext cx="1371599" cy="328045"/>
+              <a:off x="7318639" y="4979476"/>
+              <a:ext cx="2209800" cy="328045"/>
             </a:xfrm>
             <a:prstGeom prst="roundRect">
               <a:avLst/>
@@ -4953,7 +4953,7 @@
           </p:nvSpPr>
           <p:spPr>
             <a:xfrm rot="16200000">
-              <a:off x="956202" y="2861202"/>
+              <a:off x="2480202" y="2861203"/>
               <a:ext cx="1093635" cy="346760"/>
             </a:xfrm>
             <a:prstGeom prst="rect">
@@ -5023,7 +5023,7 @@
           </p:nvSpPr>
           <p:spPr>
             <a:xfrm flipV="1">
-              <a:off x="1367767" y="2286001"/>
+              <a:off x="2891767" y="2286002"/>
               <a:ext cx="270504" cy="175523"/>
             </a:xfrm>
             <a:prstGeom prst="triangle">
@@ -5074,7 +5074,7 @@
           </p:nvCxnSpPr>
           <p:spPr>
             <a:xfrm rot="10800000" flipV="1">
-              <a:off x="1503020" y="1944303"/>
+              <a:off x="3027020" y="1944304"/>
               <a:ext cx="589823" cy="341697"/>
             </a:xfrm>
             <a:prstGeom prst="bentConnector2">
@@ -5117,7 +5117,7 @@
           </p:nvCxnSpPr>
           <p:spPr>
             <a:xfrm rot="16200000" flipH="1">
-              <a:off x="2226110" y="3058040"/>
+              <a:off x="3750110" y="3058041"/>
               <a:ext cx="554704" cy="174673"/>
             </a:xfrm>
             <a:prstGeom prst="bentConnector2">
@@ -5159,7 +5159,7 @@
           </p:nvCxnSpPr>
           <p:spPr>
             <a:xfrm rot="5400000">
-              <a:off x="4255306" y="1815557"/>
+              <a:off x="5779306" y="1815558"/>
               <a:ext cx="804221" cy="1745106"/>
             </a:xfrm>
             <a:prstGeom prst="bentConnector2">
@@ -5201,7 +5201,7 @@
           </p:nvCxnSpPr>
           <p:spPr>
             <a:xfrm rot="16200000" flipH="1">
-              <a:off x="3478669" y="3939691"/>
+              <a:off x="5002669" y="3939692"/>
               <a:ext cx="118421" cy="696639"/>
             </a:xfrm>
             <a:prstGeom prst="bentConnector2">
@@ -5243,7 +5243,7 @@
           </p:nvCxnSpPr>
           <p:spPr>
             <a:xfrm rot="5400000">
-              <a:off x="3746091" y="2326502"/>
+              <a:off x="5270091" y="2326503"/>
               <a:ext cx="1824381" cy="1743376"/>
             </a:xfrm>
             <a:prstGeom prst="bentConnector2">
@@ -5281,7 +5281,7 @@
           </p:nvSpPr>
           <p:spPr>
             <a:xfrm>
-              <a:off x="5422048" y="2339335"/>
+              <a:off x="6946048" y="2339336"/>
               <a:ext cx="229325" cy="166560"/>
             </a:xfrm>
             <a:prstGeom prst="rect">
@@ -5334,7 +5334,7 @@
           </p:nvSpPr>
           <p:spPr>
             <a:xfrm>
-              <a:off x="3186477" y="2405681"/>
+              <a:off x="4710477" y="2405682"/>
               <a:ext cx="3537529" cy="45719"/>
             </a:xfrm>
             <a:custGeom>
@@ -5416,7 +5416,7 @@
           </p:nvSpPr>
           <p:spPr>
             <a:xfrm>
-              <a:off x="5431573" y="4488138"/>
+              <a:off x="6955573" y="4488139"/>
               <a:ext cx="229325" cy="160062"/>
             </a:xfrm>
             <a:prstGeom prst="rect">
@@ -5469,7 +5469,7 @@
           </p:nvSpPr>
           <p:spPr>
             <a:xfrm flipV="1">
-              <a:off x="4114799" y="4472708"/>
+              <a:off x="5638799" y="4472709"/>
               <a:ext cx="2642195" cy="101600"/>
             </a:xfrm>
             <a:custGeom>
@@ -5543,6 +5543,827 @@
             </a:p>
           </p:txBody>
         </p:sp>
+        <p:sp>
+          <p:nvSpPr>
+            <p:cNvPr id="49" name="Rectangle 11">
+              <a:extLst>
+                <a:ext uri="{FF2B5EF4-FFF2-40B4-BE49-F238E27FC236}">
+                  <a16:creationId xmlns:a16="http://schemas.microsoft.com/office/drawing/2014/main" id="{C35BEE0D-DDD9-6D44-9082-C66B8EA392F2}"/>
+                </a:ext>
+              </a:extLst>
+            </p:cNvPr>
+            <p:cNvSpPr/>
+            <p:nvPr/>
+          </p:nvSpPr>
+          <p:spPr>
+            <a:xfrm>
+              <a:off x="4108527" y="4531479"/>
+              <a:ext cx="1519368" cy="236841"/>
+            </a:xfrm>
+            <a:prstGeom prst="rect">
+              <a:avLst/>
+            </a:prstGeom>
+            <a:ln w="19050">
+              <a:solidFill>
+                <a:schemeClr val="accent3"/>
+              </a:solidFill>
+            </a:ln>
+            <a:effectLst/>
+          </p:spPr>
+          <p:style>
+            <a:lnRef idx="1">
+              <a:schemeClr val="accent3"/>
+            </a:lnRef>
+            <a:fillRef idx="2">
+              <a:schemeClr val="accent3"/>
+            </a:fillRef>
+            <a:effectRef idx="1">
+              <a:schemeClr val="accent3"/>
+            </a:effectRef>
+            <a:fontRef idx="minor">
+              <a:schemeClr val="dk1"/>
+            </a:fontRef>
+          </p:style>
+          <p:txBody>
+            <a:bodyPr rtlCol="0" anchor="ctr"/>
+            <a:lstStyle/>
+            <a:p>
+              <a:pPr algn="ctr"/>
+              <a:r>
+                <a:rPr lang="en-US" sz="1050" b="1" dirty="0" err="1">
+                  <a:solidFill>
+                    <a:schemeClr val="accent3">
+                      <a:lumMod val="75000"/>
+                    </a:schemeClr>
+                  </a:solidFill>
+                </a:rPr>
+                <a:t>DegreePlannerListPanel</a:t>
+              </a:r>
+              <a:endParaRPr lang="en-SG" sz="1050" b="1" dirty="0">
+                <a:solidFill>
+                  <a:schemeClr val="accent3">
+                    <a:lumMod val="75000"/>
+                  </a:schemeClr>
+                </a:solidFill>
+              </a:endParaRPr>
+            </a:p>
+          </p:txBody>
+        </p:sp>
+        <p:sp>
+          <p:nvSpPr>
+            <p:cNvPr id="51" name="Rectangle 11">
+              <a:extLst>
+                <a:ext uri="{FF2B5EF4-FFF2-40B4-BE49-F238E27FC236}">
+                  <a16:creationId xmlns:a16="http://schemas.microsoft.com/office/drawing/2014/main" id="{E90440B8-E425-CB40-ABA9-AF2F088E0273}"/>
+                </a:ext>
+              </a:extLst>
+            </p:cNvPr>
+            <p:cNvSpPr/>
+            <p:nvPr/>
+          </p:nvSpPr>
+          <p:spPr>
+            <a:xfrm>
+              <a:off x="5350333" y="4831423"/>
+              <a:ext cx="1317615" cy="236841"/>
+            </a:xfrm>
+            <a:prstGeom prst="rect">
+              <a:avLst/>
+            </a:prstGeom>
+            <a:ln w="19050">
+              <a:solidFill>
+                <a:schemeClr val="accent3"/>
+              </a:solidFill>
+            </a:ln>
+            <a:effectLst/>
+          </p:spPr>
+          <p:style>
+            <a:lnRef idx="1">
+              <a:schemeClr val="accent3"/>
+            </a:lnRef>
+            <a:fillRef idx="2">
+              <a:schemeClr val="accent3"/>
+            </a:fillRef>
+            <a:effectRef idx="1">
+              <a:schemeClr val="accent3"/>
+            </a:effectRef>
+            <a:fontRef idx="minor">
+              <a:schemeClr val="dk1"/>
+            </a:fontRef>
+          </p:style>
+          <p:txBody>
+            <a:bodyPr rtlCol="0" anchor="ctr"/>
+            <a:lstStyle/>
+            <a:p>
+              <a:pPr algn="ctr"/>
+              <a:r>
+                <a:rPr lang="en-US" sz="1050" b="1" dirty="0" err="1">
+                  <a:solidFill>
+                    <a:schemeClr val="accent3">
+                      <a:lumMod val="75000"/>
+                    </a:schemeClr>
+                  </a:solidFill>
+                </a:rPr>
+                <a:t>DegreePlannerCard</a:t>
+              </a:r>
+              <a:endParaRPr lang="en-SG" sz="1050" b="1" dirty="0">
+                <a:solidFill>
+                  <a:schemeClr val="accent3">
+                    <a:lumMod val="75000"/>
+                  </a:schemeClr>
+                </a:solidFill>
+              </a:endParaRPr>
+            </a:p>
+          </p:txBody>
+        </p:sp>
+        <p:cxnSp>
+          <p:nvCxnSpPr>
+            <p:cNvPr id="52" name="Elbow Connector 51">
+              <a:extLst>
+                <a:ext uri="{FF2B5EF4-FFF2-40B4-BE49-F238E27FC236}">
+                  <a16:creationId xmlns:a16="http://schemas.microsoft.com/office/drawing/2014/main" id="{25C89242-644E-3243-895C-F38406A54A95}"/>
+                </a:ext>
+              </a:extLst>
+            </p:cNvPr>
+            <p:cNvCxnSpPr>
+              <a:cxnSpLocks/>
+              <a:stCxn id="49" idx="2"/>
+              <a:endCxn id="51" idx="1"/>
+            </p:cNvCxnSpPr>
+            <p:nvPr/>
+          </p:nvCxnSpPr>
+          <p:spPr>
+            <a:xfrm rot="16200000" flipH="1">
+              <a:off x="5018510" y="4618021"/>
+              <a:ext cx="181524" cy="482122"/>
+            </a:xfrm>
+            <a:prstGeom prst="bentConnector2">
+              <a:avLst/>
+            </a:prstGeom>
+            <a:ln w="19050">
+              <a:solidFill>
+                <a:schemeClr val="accent3"/>
+              </a:solidFill>
+              <a:headEnd type="none" w="med" len="med"/>
+              <a:tailEnd type="arrow" w="med" len="med"/>
+            </a:ln>
+            <a:effectLst/>
+          </p:spPr>
+          <p:style>
+            <a:lnRef idx="1">
+              <a:schemeClr val="accent2"/>
+            </a:lnRef>
+            <a:fillRef idx="2">
+              <a:schemeClr val="accent2"/>
+            </a:fillRef>
+            <a:effectRef idx="1">
+              <a:schemeClr val="accent2"/>
+            </a:effectRef>
+            <a:fontRef idx="minor">
+              <a:schemeClr val="dk1"/>
+            </a:fontRef>
+          </p:style>
+        </p:cxnSp>
+        <p:sp>
+          <p:nvSpPr>
+            <p:cNvPr id="57" name="Rectangle 11">
+              <a:extLst>
+                <a:ext uri="{FF2B5EF4-FFF2-40B4-BE49-F238E27FC236}">
+                  <a16:creationId xmlns:a16="http://schemas.microsoft.com/office/drawing/2014/main" id="{AD09A316-D5D8-6747-B9A8-13910C2988A5}"/>
+                </a:ext>
+              </a:extLst>
+            </p:cNvPr>
+            <p:cNvSpPr/>
+            <p:nvPr/>
+          </p:nvSpPr>
+          <p:spPr>
+            <a:xfrm>
+              <a:off x="4103347" y="5129261"/>
+              <a:ext cx="1727480" cy="287655"/>
+            </a:xfrm>
+            <a:prstGeom prst="rect">
+              <a:avLst/>
+            </a:prstGeom>
+            <a:ln w="19050">
+              <a:solidFill>
+                <a:schemeClr val="accent3"/>
+              </a:solidFill>
+            </a:ln>
+            <a:effectLst/>
+          </p:spPr>
+          <p:style>
+            <a:lnRef idx="1">
+              <a:schemeClr val="accent3"/>
+            </a:lnRef>
+            <a:fillRef idx="2">
+              <a:schemeClr val="accent3"/>
+            </a:fillRef>
+            <a:effectRef idx="1">
+              <a:schemeClr val="accent3"/>
+            </a:effectRef>
+            <a:fontRef idx="minor">
+              <a:schemeClr val="dk1"/>
+            </a:fontRef>
+          </p:style>
+          <p:txBody>
+            <a:bodyPr rtlCol="0" anchor="ctr"/>
+            <a:lstStyle/>
+            <a:p>
+              <a:pPr algn="ctr"/>
+              <a:r>
+                <a:rPr lang="en-US" sz="1050" b="1" dirty="0" err="1">
+                  <a:solidFill>
+                    <a:schemeClr val="accent3">
+                      <a:lumMod val="75000"/>
+                    </a:schemeClr>
+                  </a:solidFill>
+                </a:rPr>
+                <a:t>RequirementCategoriesListPanel</a:t>
+              </a:r>
+              <a:endParaRPr lang="en-SG" sz="1050" b="1" dirty="0">
+                <a:solidFill>
+                  <a:schemeClr val="accent3">
+                    <a:lumMod val="75000"/>
+                  </a:schemeClr>
+                </a:solidFill>
+              </a:endParaRPr>
+            </a:p>
+          </p:txBody>
+        </p:sp>
+        <p:sp>
+          <p:nvSpPr>
+            <p:cNvPr id="58" name="Rectangle 11">
+              <a:extLst>
+                <a:ext uri="{FF2B5EF4-FFF2-40B4-BE49-F238E27FC236}">
+                  <a16:creationId xmlns:a16="http://schemas.microsoft.com/office/drawing/2014/main" id="{AC1C6613-1140-F349-89C3-32D72B2BF590}"/>
+                </a:ext>
+              </a:extLst>
+            </p:cNvPr>
+            <p:cNvSpPr/>
+            <p:nvPr/>
+          </p:nvSpPr>
+          <p:spPr>
+            <a:xfrm>
+              <a:off x="5258624" y="5465558"/>
+              <a:ext cx="1556387" cy="309740"/>
+            </a:xfrm>
+            <a:prstGeom prst="rect">
+              <a:avLst/>
+            </a:prstGeom>
+            <a:ln w="19050">
+              <a:solidFill>
+                <a:schemeClr val="accent3"/>
+              </a:solidFill>
+            </a:ln>
+            <a:effectLst/>
+          </p:spPr>
+          <p:style>
+            <a:lnRef idx="1">
+              <a:schemeClr val="accent3"/>
+            </a:lnRef>
+            <a:fillRef idx="2">
+              <a:schemeClr val="accent3"/>
+            </a:fillRef>
+            <a:effectRef idx="1">
+              <a:schemeClr val="accent3"/>
+            </a:effectRef>
+            <a:fontRef idx="minor">
+              <a:schemeClr val="dk1"/>
+            </a:fontRef>
+          </p:style>
+          <p:txBody>
+            <a:bodyPr rtlCol="0" anchor="ctr"/>
+            <a:lstStyle/>
+            <a:p>
+              <a:pPr algn="ctr"/>
+              <a:r>
+                <a:rPr lang="en-US" sz="1050" b="1" dirty="0" err="1">
+                  <a:solidFill>
+                    <a:schemeClr val="accent3">
+                      <a:lumMod val="75000"/>
+                    </a:schemeClr>
+                  </a:solidFill>
+                </a:rPr>
+                <a:t>RequirementCategoriesCard</a:t>
+              </a:r>
+              <a:endParaRPr lang="en-SG" sz="1050" b="1" dirty="0">
+                <a:solidFill>
+                  <a:schemeClr val="accent3">
+                    <a:lumMod val="75000"/>
+                  </a:schemeClr>
+                </a:solidFill>
+              </a:endParaRPr>
+            </a:p>
+          </p:txBody>
+        </p:sp>
+        <p:cxnSp>
+          <p:nvCxnSpPr>
+            <p:cNvPr id="59" name="Elbow Connector 58">
+              <a:extLst>
+                <a:ext uri="{FF2B5EF4-FFF2-40B4-BE49-F238E27FC236}">
+                  <a16:creationId xmlns:a16="http://schemas.microsoft.com/office/drawing/2014/main" id="{54C1C5EA-CEA5-BE47-9CC9-A8CEA25BA704}"/>
+                </a:ext>
+              </a:extLst>
+            </p:cNvPr>
+            <p:cNvCxnSpPr>
+              <a:cxnSpLocks/>
+              <a:endCxn id="58" idx="1"/>
+            </p:cNvCxnSpPr>
+            <p:nvPr/>
+          </p:nvCxnSpPr>
+          <p:spPr>
+            <a:xfrm>
+              <a:off x="4873897" y="5439310"/>
+              <a:ext cx="384727" cy="181118"/>
+            </a:xfrm>
+            <a:prstGeom prst="bentConnector3">
+              <a:avLst>
+                <a:gd name="adj1" fmla="val -6718"/>
+              </a:avLst>
+            </a:prstGeom>
+            <a:ln w="19050">
+              <a:solidFill>
+                <a:schemeClr val="accent3"/>
+              </a:solidFill>
+              <a:headEnd type="none" w="med" len="med"/>
+              <a:tailEnd type="arrow" w="med" len="med"/>
+            </a:ln>
+            <a:effectLst/>
+          </p:spPr>
+          <p:style>
+            <a:lnRef idx="1">
+              <a:schemeClr val="accent2"/>
+            </a:lnRef>
+            <a:fillRef idx="2">
+              <a:schemeClr val="accent2"/>
+            </a:fillRef>
+            <a:effectRef idx="1">
+              <a:schemeClr val="accent2"/>
+            </a:effectRef>
+            <a:fontRef idx="minor">
+              <a:schemeClr val="dk1"/>
+            </a:fontRef>
+          </p:style>
+        </p:cxnSp>
+        <p:cxnSp>
+          <p:nvCxnSpPr>
+            <p:cNvPr id="84" name="Elbow Connector 63">
+              <a:extLst>
+                <a:ext uri="{FF2B5EF4-FFF2-40B4-BE49-F238E27FC236}">
+                  <a16:creationId xmlns:a16="http://schemas.microsoft.com/office/drawing/2014/main" id="{FAF86F9D-6793-5F44-8A09-79FCDE5D1B80}"/>
+                </a:ext>
+              </a:extLst>
+            </p:cNvPr>
+            <p:cNvCxnSpPr>
+              <a:cxnSpLocks/>
+            </p:cNvCxnSpPr>
+            <p:nvPr/>
+          </p:nvCxnSpPr>
+          <p:spPr>
+            <a:xfrm rot="16200000" flipH="1">
+              <a:off x="3410526" y="3941489"/>
+              <a:ext cx="1242356" cy="176400"/>
+            </a:xfrm>
+            <a:prstGeom prst="bentConnector2">
+              <a:avLst/>
+            </a:prstGeom>
+            <a:ln w="19050">
+              <a:solidFill>
+                <a:schemeClr val="accent3"/>
+              </a:solidFill>
+              <a:headEnd type="none" w="med" len="med"/>
+              <a:tailEnd type="arrow" w="med" len="med"/>
+            </a:ln>
+            <a:effectLst/>
+          </p:spPr>
+          <p:style>
+            <a:lnRef idx="1">
+              <a:schemeClr val="accent2"/>
+            </a:lnRef>
+            <a:fillRef idx="2">
+              <a:schemeClr val="accent2"/>
+            </a:fillRef>
+            <a:effectRef idx="1">
+              <a:schemeClr val="accent2"/>
+            </a:effectRef>
+            <a:fontRef idx="minor">
+              <a:schemeClr val="dk1"/>
+            </a:fontRef>
+          </p:style>
+        </p:cxnSp>
+        <p:cxnSp>
+          <p:nvCxnSpPr>
+            <p:cNvPr id="89" name="Elbow Connector 63">
+              <a:extLst>
+                <a:ext uri="{FF2B5EF4-FFF2-40B4-BE49-F238E27FC236}">
+                  <a16:creationId xmlns:a16="http://schemas.microsoft.com/office/drawing/2014/main" id="{332518C9-FB02-4B4D-A615-9A9EAD14FA2D}"/>
+                </a:ext>
+              </a:extLst>
+            </p:cNvPr>
+            <p:cNvCxnSpPr>
+              <a:cxnSpLocks/>
+            </p:cNvCxnSpPr>
+            <p:nvPr/>
+          </p:nvCxnSpPr>
+          <p:spPr>
+            <a:xfrm rot="16200000" flipH="1">
+              <a:off x="3405316" y="4535745"/>
+              <a:ext cx="1242356" cy="176400"/>
+            </a:xfrm>
+            <a:prstGeom prst="bentConnector2">
+              <a:avLst/>
+            </a:prstGeom>
+            <a:ln w="19050">
+              <a:solidFill>
+                <a:schemeClr val="accent3"/>
+              </a:solidFill>
+              <a:headEnd type="none" w="med" len="med"/>
+              <a:tailEnd type="arrow" w="med" len="med"/>
+            </a:ln>
+            <a:effectLst/>
+          </p:spPr>
+          <p:style>
+            <a:lnRef idx="1">
+              <a:schemeClr val="accent2"/>
+            </a:lnRef>
+            <a:fillRef idx="2">
+              <a:schemeClr val="accent2"/>
+            </a:fillRef>
+            <a:effectRef idx="1">
+              <a:schemeClr val="accent2"/>
+            </a:effectRef>
+            <a:fontRef idx="minor">
+              <a:schemeClr val="dk1"/>
+            </a:fontRef>
+          </p:style>
+        </p:cxnSp>
+        <p:cxnSp>
+          <p:nvCxnSpPr>
+            <p:cNvPr id="90" name="Elbow Connector 63">
+              <a:extLst>
+                <a:ext uri="{FF2B5EF4-FFF2-40B4-BE49-F238E27FC236}">
+                  <a16:creationId xmlns:a16="http://schemas.microsoft.com/office/drawing/2014/main" id="{E98F8AD6-77B8-A647-83B1-2EFEDB8B14E7}"/>
+                </a:ext>
+              </a:extLst>
+            </p:cNvPr>
+            <p:cNvCxnSpPr>
+              <a:cxnSpLocks/>
+            </p:cNvCxnSpPr>
+            <p:nvPr/>
+          </p:nvCxnSpPr>
+          <p:spPr>
+            <a:xfrm rot="5400000">
+              <a:off x="5432972" y="3023492"/>
+              <a:ext cx="1817670" cy="1437807"/>
+            </a:xfrm>
+            <a:prstGeom prst="bentConnector3">
+              <a:avLst>
+                <a:gd name="adj1" fmla="val 100795"/>
+              </a:avLst>
+            </a:prstGeom>
+            <a:ln w="6350">
+              <a:solidFill>
+                <a:schemeClr val="accent3"/>
+              </a:solidFill>
+              <a:headEnd type="none" w="med" len="med"/>
+              <a:tailEnd type="none" w="med" len="med"/>
+            </a:ln>
+            <a:effectLst/>
+          </p:spPr>
+          <p:style>
+            <a:lnRef idx="1">
+              <a:schemeClr val="accent2"/>
+            </a:lnRef>
+            <a:fillRef idx="2">
+              <a:schemeClr val="accent2"/>
+            </a:fillRef>
+            <a:effectRef idx="1">
+              <a:schemeClr val="accent2"/>
+            </a:effectRef>
+            <a:fontRef idx="minor">
+              <a:schemeClr val="dk1"/>
+            </a:fontRef>
+          </p:style>
+        </p:cxnSp>
+        <p:cxnSp>
+          <p:nvCxnSpPr>
+            <p:cNvPr id="92" name="Elbow Connector 63">
+              <a:extLst>
+                <a:ext uri="{FF2B5EF4-FFF2-40B4-BE49-F238E27FC236}">
+                  <a16:creationId xmlns:a16="http://schemas.microsoft.com/office/drawing/2014/main" id="{D921160D-29B6-674B-BFE1-F7B1D5DA5FD5}"/>
+                </a:ext>
+              </a:extLst>
+            </p:cNvPr>
+            <p:cNvCxnSpPr>
+              <a:cxnSpLocks/>
+            </p:cNvCxnSpPr>
+            <p:nvPr/>
+          </p:nvCxnSpPr>
+          <p:spPr>
+            <a:xfrm rot="5400000">
+              <a:off x="5988045" y="3909247"/>
+              <a:ext cx="1751039" cy="380810"/>
+            </a:xfrm>
+            <a:prstGeom prst="bentConnector3">
+              <a:avLst>
+                <a:gd name="adj1" fmla="val 99686"/>
+              </a:avLst>
+            </a:prstGeom>
+            <a:ln w="6350">
+              <a:solidFill>
+                <a:schemeClr val="accent3"/>
+              </a:solidFill>
+              <a:headEnd type="none" w="med" len="med"/>
+              <a:tailEnd type="none" w="med" len="med"/>
+            </a:ln>
+            <a:effectLst/>
+          </p:spPr>
+          <p:style>
+            <a:lnRef idx="1">
+              <a:schemeClr val="accent2"/>
+            </a:lnRef>
+            <a:fillRef idx="2">
+              <a:schemeClr val="accent2"/>
+            </a:fillRef>
+            <a:effectRef idx="1">
+              <a:schemeClr val="accent2"/>
+            </a:effectRef>
+            <a:fontRef idx="minor">
+              <a:schemeClr val="dk1"/>
+            </a:fontRef>
+          </p:style>
+        </p:cxnSp>
+        <p:cxnSp>
+          <p:nvCxnSpPr>
+            <p:cNvPr id="95" name="Elbow Connector 63">
+              <a:extLst>
+                <a:ext uri="{FF2B5EF4-FFF2-40B4-BE49-F238E27FC236}">
+                  <a16:creationId xmlns:a16="http://schemas.microsoft.com/office/drawing/2014/main" id="{3C2B2DBE-BDE3-4E49-B374-E8663927E221}"/>
+                </a:ext>
+              </a:extLst>
+            </p:cNvPr>
+            <p:cNvCxnSpPr>
+              <a:cxnSpLocks/>
+            </p:cNvCxnSpPr>
+            <p:nvPr/>
+          </p:nvCxnSpPr>
+          <p:spPr>
+            <a:xfrm rot="5400000">
+              <a:off x="5559096" y="3753499"/>
+              <a:ext cx="1756671" cy="1217130"/>
+            </a:xfrm>
+            <a:prstGeom prst="bentConnector3">
+              <a:avLst>
+                <a:gd name="adj1" fmla="val 101042"/>
+              </a:avLst>
+            </a:prstGeom>
+            <a:ln w="6350">
+              <a:solidFill>
+                <a:schemeClr val="accent3"/>
+              </a:solidFill>
+              <a:headEnd type="none" w="med" len="med"/>
+              <a:tailEnd type="none" w="med" len="med"/>
+            </a:ln>
+            <a:effectLst/>
+          </p:spPr>
+          <p:style>
+            <a:lnRef idx="1">
+              <a:schemeClr val="accent2"/>
+            </a:lnRef>
+            <a:fillRef idx="2">
+              <a:schemeClr val="accent2"/>
+            </a:fillRef>
+            <a:effectRef idx="1">
+              <a:schemeClr val="accent2"/>
+            </a:effectRef>
+            <a:fontRef idx="minor">
+              <a:schemeClr val="dk1"/>
+            </a:fontRef>
+          </p:style>
+        </p:cxnSp>
+        <p:sp>
+          <p:nvSpPr>
+            <p:cNvPr id="98" name="Freeform 97">
+              <a:extLst>
+                <a:ext uri="{FF2B5EF4-FFF2-40B4-BE49-F238E27FC236}">
+                  <a16:creationId xmlns:a16="http://schemas.microsoft.com/office/drawing/2014/main" id="{F619147B-CB5D-0D4A-82DD-9ABF96F78677}"/>
+                </a:ext>
+              </a:extLst>
+            </p:cNvPr>
+            <p:cNvSpPr/>
+            <p:nvPr/>
+          </p:nvSpPr>
+          <p:spPr>
+            <a:xfrm flipV="1">
+              <a:off x="5863801" y="5086515"/>
+              <a:ext cx="2381106" cy="113816"/>
+            </a:xfrm>
+            <a:custGeom>
+              <a:avLst/>
+              <a:gdLst>
+                <a:gd name="connsiteX0" fmla="*/ 0 w 3048000"/>
+                <a:gd name="connsiteY0" fmla="*/ 203200 h 203200"/>
+                <a:gd name="connsiteX1" fmla="*/ 221673 w 3048000"/>
+                <a:gd name="connsiteY1" fmla="*/ 0 h 203200"/>
+                <a:gd name="connsiteX2" fmla="*/ 3048000 w 3048000"/>
+                <a:gd name="connsiteY2" fmla="*/ 0 h 203200"/>
+              </a:gdLst>
+              <a:ahLst/>
+              <a:cxnLst>
+                <a:cxn ang="0">
+                  <a:pos x="connsiteX0" y="connsiteY0"/>
+                </a:cxn>
+                <a:cxn ang="0">
+                  <a:pos x="connsiteX1" y="connsiteY1"/>
+                </a:cxn>
+                <a:cxn ang="0">
+                  <a:pos x="connsiteX2" y="connsiteY2"/>
+                </a:cxn>
+              </a:cxnLst>
+              <a:rect l="l" t="t" r="r" b="b"/>
+              <a:pathLst>
+                <a:path w="3048000" h="203200">
+                  <a:moveTo>
+                    <a:pt x="0" y="203200"/>
+                  </a:moveTo>
+                  <a:lnTo>
+                    <a:pt x="221673" y="0"/>
+                  </a:lnTo>
+                  <a:lnTo>
+                    <a:pt x="3048000" y="0"/>
+                  </a:lnTo>
+                </a:path>
+              </a:pathLst>
+            </a:custGeom>
+            <a:noFill/>
+            <a:ln w="19050">
+              <a:solidFill>
+                <a:schemeClr val="accent3"/>
+              </a:solidFill>
+              <a:prstDash val="sysDot"/>
+              <a:headEnd type="none" w="med" len="med"/>
+              <a:tailEnd type="arrow" w="med" len="med"/>
+            </a:ln>
+            <a:effectLst/>
+          </p:spPr>
+          <p:style>
+            <a:lnRef idx="1">
+              <a:schemeClr val="accent2"/>
+            </a:lnRef>
+            <a:fillRef idx="2">
+              <a:schemeClr val="accent2"/>
+            </a:fillRef>
+            <a:effectRef idx="1">
+              <a:schemeClr val="accent2"/>
+            </a:effectRef>
+            <a:fontRef idx="minor">
+              <a:schemeClr val="dk1"/>
+            </a:fontRef>
+          </p:style>
+          <p:txBody>
+            <a:bodyPr rtlCol="0" anchor="ctr"/>
+            <a:lstStyle/>
+            <a:p>
+              <a:pPr algn="ctr"/>
+              <a:endParaRPr lang="en-SG"/>
+            </a:p>
+          </p:txBody>
+        </p:sp>
+        <p:sp>
+          <p:nvSpPr>
+            <p:cNvPr id="99" name="Freeform 98">
+              <a:extLst>
+                <a:ext uri="{FF2B5EF4-FFF2-40B4-BE49-F238E27FC236}">
+                  <a16:creationId xmlns:a16="http://schemas.microsoft.com/office/drawing/2014/main" id="{339EE50E-C3BE-4349-9038-8D32058C1BFC}"/>
+                </a:ext>
+              </a:extLst>
+            </p:cNvPr>
+            <p:cNvSpPr/>
+            <p:nvPr/>
+          </p:nvSpPr>
+          <p:spPr>
+            <a:xfrm flipV="1">
+              <a:off x="5740072" y="5789090"/>
+              <a:ext cx="2514643" cy="113816"/>
+            </a:xfrm>
+            <a:custGeom>
+              <a:avLst/>
+              <a:gdLst>
+                <a:gd name="connsiteX0" fmla="*/ 0 w 3048000"/>
+                <a:gd name="connsiteY0" fmla="*/ 203200 h 203200"/>
+                <a:gd name="connsiteX1" fmla="*/ 221673 w 3048000"/>
+                <a:gd name="connsiteY1" fmla="*/ 0 h 203200"/>
+                <a:gd name="connsiteX2" fmla="*/ 3048000 w 3048000"/>
+                <a:gd name="connsiteY2" fmla="*/ 0 h 203200"/>
+              </a:gdLst>
+              <a:ahLst/>
+              <a:cxnLst>
+                <a:cxn ang="0">
+                  <a:pos x="connsiteX0" y="connsiteY0"/>
+                </a:cxn>
+                <a:cxn ang="0">
+                  <a:pos x="connsiteX1" y="connsiteY1"/>
+                </a:cxn>
+                <a:cxn ang="0">
+                  <a:pos x="connsiteX2" y="connsiteY2"/>
+                </a:cxn>
+              </a:cxnLst>
+              <a:rect l="l" t="t" r="r" b="b"/>
+              <a:pathLst>
+                <a:path w="3048000" h="203200">
+                  <a:moveTo>
+                    <a:pt x="0" y="203200"/>
+                  </a:moveTo>
+                  <a:lnTo>
+                    <a:pt x="221673" y="0"/>
+                  </a:lnTo>
+                  <a:lnTo>
+                    <a:pt x="3048000" y="0"/>
+                  </a:lnTo>
+                </a:path>
+              </a:pathLst>
+            </a:custGeom>
+            <a:noFill/>
+            <a:ln w="19050">
+              <a:solidFill>
+                <a:schemeClr val="accent3"/>
+              </a:solidFill>
+              <a:prstDash val="sysDot"/>
+              <a:headEnd type="none" w="med" len="med"/>
+              <a:tailEnd type="arrow" w="med" len="med"/>
+            </a:ln>
+            <a:effectLst/>
+          </p:spPr>
+          <p:style>
+            <a:lnRef idx="1">
+              <a:schemeClr val="accent2"/>
+            </a:lnRef>
+            <a:fillRef idx="2">
+              <a:schemeClr val="accent2"/>
+            </a:fillRef>
+            <a:effectRef idx="1">
+              <a:schemeClr val="accent2"/>
+            </a:effectRef>
+            <a:fontRef idx="minor">
+              <a:schemeClr val="dk1"/>
+            </a:fontRef>
+          </p:style>
+          <p:txBody>
+            <a:bodyPr rtlCol="0" anchor="ctr"/>
+            <a:lstStyle/>
+            <a:p>
+              <a:pPr algn="ctr"/>
+              <a:endParaRPr lang="en-SG"/>
+            </a:p>
+          </p:txBody>
+        </p:sp>
+        <p:cxnSp>
+          <p:nvCxnSpPr>
+            <p:cNvPr id="100" name="Elbow Connector 63">
+              <a:extLst>
+                <a:ext uri="{FF2B5EF4-FFF2-40B4-BE49-F238E27FC236}">
+                  <a16:creationId xmlns:a16="http://schemas.microsoft.com/office/drawing/2014/main" id="{AD058FEA-E876-FF49-BFC8-411F33E065BC}"/>
+                </a:ext>
+              </a:extLst>
+            </p:cNvPr>
+            <p:cNvCxnSpPr>
+              <a:cxnSpLocks/>
+            </p:cNvCxnSpPr>
+            <p:nvPr/>
+          </p:nvCxnSpPr>
+          <p:spPr>
+            <a:xfrm rot="5400000">
+              <a:off x="6053245" y="4624935"/>
+              <a:ext cx="1752239" cy="233265"/>
+            </a:xfrm>
+            <a:prstGeom prst="bentConnector3">
+              <a:avLst>
+                <a:gd name="adj1" fmla="val 100406"/>
+              </a:avLst>
+            </a:prstGeom>
+            <a:ln w="6350">
+              <a:solidFill>
+                <a:schemeClr val="accent3"/>
+              </a:solidFill>
+              <a:headEnd type="none" w="med" len="med"/>
+              <a:tailEnd type="none" w="med" len="med"/>
+            </a:ln>
+            <a:effectLst/>
+          </p:spPr>
+          <p:style>
+            <a:lnRef idx="1">
+              <a:schemeClr val="accent2"/>
+            </a:lnRef>
+            <a:fillRef idx="2">
+              <a:schemeClr val="accent2"/>
+            </a:fillRef>
+            <a:effectRef idx="1">
+              <a:schemeClr val="accent2"/>
+            </a:effectRef>
+            <a:fontRef idx="minor">
+              <a:schemeClr val="dk1"/>
+            </a:fontRef>
+          </p:style>
+        </p:cxnSp>
       </p:grpSp>
     </p:spTree>
     <p:extLst>
